--- a/docs/diagrams/PropertyManagerSequenceDiagram.pptx
+++ b/docs/diagrams/PropertyManagerSequenceDiagram.pptx
@@ -265,7 +265,7 @@
           <a:p>
             <a:fld id="{629354CD-C2FC-4E65-9AFB-E579B610899C}" type="datetimeFigureOut">
               <a:rPr lang="zh-SG" altLang="en-US" smtClean="0"/>
-              <a:t>2017/10/22</a:t>
+              <a:t>2017/11/13</a:t>
             </a:fld>
             <a:endParaRPr lang="zh-SG" altLang="en-US"/>
           </a:p>
@@ -465,7 +465,7 @@
           <a:p>
             <a:fld id="{629354CD-C2FC-4E65-9AFB-E579B610899C}" type="datetimeFigureOut">
               <a:rPr lang="zh-SG" altLang="en-US" smtClean="0"/>
-              <a:t>2017/10/22</a:t>
+              <a:t>2017/11/13</a:t>
             </a:fld>
             <a:endParaRPr lang="zh-SG" altLang="en-US"/>
           </a:p>
@@ -675,7 +675,7 @@
           <a:p>
             <a:fld id="{629354CD-C2FC-4E65-9AFB-E579B610899C}" type="datetimeFigureOut">
               <a:rPr lang="zh-SG" altLang="en-US" smtClean="0"/>
-              <a:t>2017/10/22</a:t>
+              <a:t>2017/11/13</a:t>
             </a:fld>
             <a:endParaRPr lang="zh-SG" altLang="en-US"/>
           </a:p>
@@ -875,7 +875,7 @@
           <a:p>
             <a:fld id="{629354CD-C2FC-4E65-9AFB-E579B610899C}" type="datetimeFigureOut">
               <a:rPr lang="zh-SG" altLang="en-US" smtClean="0"/>
-              <a:t>2017/10/22</a:t>
+              <a:t>2017/11/13</a:t>
             </a:fld>
             <a:endParaRPr lang="zh-SG" altLang="en-US"/>
           </a:p>
@@ -1151,7 +1151,7 @@
           <a:p>
             <a:fld id="{629354CD-C2FC-4E65-9AFB-E579B610899C}" type="datetimeFigureOut">
               <a:rPr lang="zh-SG" altLang="en-US" smtClean="0"/>
-              <a:t>2017/10/22</a:t>
+              <a:t>2017/11/13</a:t>
             </a:fld>
             <a:endParaRPr lang="zh-SG" altLang="en-US"/>
           </a:p>
@@ -1419,7 +1419,7 @@
           <a:p>
             <a:fld id="{629354CD-C2FC-4E65-9AFB-E579B610899C}" type="datetimeFigureOut">
               <a:rPr lang="zh-SG" altLang="en-US" smtClean="0"/>
-              <a:t>2017/10/22</a:t>
+              <a:t>2017/11/13</a:t>
             </a:fld>
             <a:endParaRPr lang="zh-SG" altLang="en-US"/>
           </a:p>
@@ -1834,7 +1834,7 @@
           <a:p>
             <a:fld id="{629354CD-C2FC-4E65-9AFB-E579B610899C}" type="datetimeFigureOut">
               <a:rPr lang="zh-SG" altLang="en-US" smtClean="0"/>
-              <a:t>2017/10/22</a:t>
+              <a:t>2017/11/13</a:t>
             </a:fld>
             <a:endParaRPr lang="zh-SG" altLang="en-US"/>
           </a:p>
@@ -1976,7 +1976,7 @@
           <a:p>
             <a:fld id="{629354CD-C2FC-4E65-9AFB-E579B610899C}" type="datetimeFigureOut">
               <a:rPr lang="zh-SG" altLang="en-US" smtClean="0"/>
-              <a:t>2017/10/22</a:t>
+              <a:t>2017/11/13</a:t>
             </a:fld>
             <a:endParaRPr lang="zh-SG" altLang="en-US"/>
           </a:p>
@@ -2089,7 +2089,7 @@
           <a:p>
             <a:fld id="{629354CD-C2FC-4E65-9AFB-E579B610899C}" type="datetimeFigureOut">
               <a:rPr lang="zh-SG" altLang="en-US" smtClean="0"/>
-              <a:t>2017/10/22</a:t>
+              <a:t>2017/11/13</a:t>
             </a:fld>
             <a:endParaRPr lang="zh-SG" altLang="en-US"/>
           </a:p>
@@ -2402,7 +2402,7 @@
           <a:p>
             <a:fld id="{629354CD-C2FC-4E65-9AFB-E579B610899C}" type="datetimeFigureOut">
               <a:rPr lang="zh-SG" altLang="en-US" smtClean="0"/>
-              <a:t>2017/10/22</a:t>
+              <a:t>2017/11/13</a:t>
             </a:fld>
             <a:endParaRPr lang="zh-SG" altLang="en-US"/>
           </a:p>
@@ -2691,7 +2691,7 @@
           <a:p>
             <a:fld id="{629354CD-C2FC-4E65-9AFB-E579B610899C}" type="datetimeFigureOut">
               <a:rPr lang="zh-SG" altLang="en-US" smtClean="0"/>
-              <a:t>2017/10/22</a:t>
+              <a:t>2017/11/13</a:t>
             </a:fld>
             <a:endParaRPr lang="zh-SG" altLang="en-US"/>
           </a:p>
@@ -2934,7 +2934,7 @@
           <a:p>
             <a:fld id="{629354CD-C2FC-4E65-9AFB-E579B610899C}" type="datetimeFigureOut">
               <a:rPr lang="zh-SG" altLang="en-US" smtClean="0"/>
-              <a:t>2017/10/22</a:t>
+              <a:t>2017/11/13</a:t>
             </a:fld>
             <a:endParaRPr lang="zh-SG" altLang="en-US"/>
           </a:p>
@@ -3576,8 +3576,8 @@
         </p:nvSpPr>
         <p:spPr>
           <a:xfrm>
-            <a:off x="363330" y="2137359"/>
-            <a:ext cx="152400" cy="2780287"/>
+            <a:off x="386001" y="2371129"/>
+            <a:ext cx="120023" cy="2314655"/>
           </a:xfrm>
           <a:prstGeom prst="rect">
             <a:avLst/>
@@ -3859,7 +3859,7 @@
         </p:nvSpPr>
         <p:spPr>
           <a:xfrm>
-            <a:off x="1594609" y="3718766"/>
+            <a:off x="1596562" y="3629624"/>
             <a:ext cx="855809" cy="215444"/>
           </a:xfrm>
           <a:prstGeom prst="rect">
@@ -4022,7 +4022,7 @@
         </p:nvCxnSpPr>
         <p:spPr>
           <a:xfrm>
-            <a:off x="512347" y="3690164"/>
+            <a:off x="516959" y="3545457"/>
             <a:ext cx="3390951" cy="12673"/>
           </a:xfrm>
           <a:prstGeom prst="straightConnector1">
@@ -4064,8 +4064,8 @@
         </p:nvSpPr>
         <p:spPr>
           <a:xfrm>
-            <a:off x="3894375" y="3474720"/>
-            <a:ext cx="167165" cy="1219200"/>
+            <a:off x="3894376" y="3528456"/>
+            <a:ext cx="159236" cy="1165464"/>
           </a:xfrm>
           <a:prstGeom prst="rect">
             <a:avLst/>
@@ -4228,7 +4228,7 @@
         </p:nvCxnSpPr>
         <p:spPr>
           <a:xfrm>
-            <a:off x="4055698" y="3497158"/>
+            <a:off x="4055698" y="3528456"/>
             <a:ext cx="1836137" cy="0"/>
           </a:xfrm>
           <a:prstGeom prst="straightConnector1">
@@ -4421,7 +4421,7 @@
         </p:nvSpPr>
         <p:spPr>
           <a:xfrm>
-            <a:off x="482024" y="2865121"/>
+            <a:off x="481957" y="2930158"/>
             <a:ext cx="1792272" cy="184666"/>
           </a:xfrm>
           <a:prstGeom prst="rect">
@@ -4768,7 +4768,7 @@
         </p:nvCxnSpPr>
         <p:spPr>
           <a:xfrm>
-            <a:off x="512919" y="2815245"/>
+            <a:off x="474395" y="2888570"/>
             <a:ext cx="1807396" cy="0"/>
           </a:xfrm>
           <a:prstGeom prst="straightConnector1">
@@ -5365,9 +5365,9 @@
           <p:nvPr/>
         </p:nvCxnSpPr>
         <p:spPr>
-          <a:xfrm>
-            <a:off x="6064271" y="3826488"/>
-            <a:ext cx="1070573" cy="0"/>
+          <a:xfrm flipV="1">
+            <a:off x="6044236" y="3826488"/>
+            <a:ext cx="1090608" cy="18580"/>
           </a:xfrm>
           <a:prstGeom prst="straightConnector1">
             <a:avLst/>
@@ -5727,8 +5727,8 @@
         </p:nvCxnSpPr>
         <p:spPr>
           <a:xfrm>
-            <a:off x="7318345" y="3826488"/>
-            <a:ext cx="1101192" cy="0"/>
+            <a:off x="7350560" y="3826488"/>
+            <a:ext cx="1068977" cy="0"/>
           </a:xfrm>
           <a:prstGeom prst="straightConnector1">
             <a:avLst/>

--- a/docs/diagrams/PropertyManagerSequenceDiagram.pptx
+++ b/docs/diagrams/PropertyManagerSequenceDiagram.pptx
@@ -5523,15 +5523,13 @@
           </p:cNvPr>
           <p:cNvCxnSpPr>
             <a:cxnSpLocks/>
-            <a:stCxn id="92" idx="1"/>
-            <a:endCxn id="66" idx="3"/>
           </p:cNvCxnSpPr>
           <p:nvPr/>
         </p:nvCxnSpPr>
         <p:spPr>
           <a:xfrm flipH="1" flipV="1">
-            <a:off x="7350560" y="3672498"/>
-            <a:ext cx="1110095" cy="4049"/>
+            <a:off x="7367366" y="3563259"/>
+            <a:ext cx="1854767" cy="15613"/>
           </a:xfrm>
           <a:prstGeom prst="straightConnector1">
             <a:avLst/>
@@ -5577,8 +5575,8 @@
         </p:nvSpPr>
         <p:spPr>
           <a:xfrm>
-            <a:off x="7280892" y="3119799"/>
-            <a:ext cx="1092852" cy="430887"/>
+            <a:off x="7492711" y="3176125"/>
+            <a:ext cx="1556843" cy="369332"/>
           </a:xfrm>
           <a:prstGeom prst="rect">
             <a:avLst/>
@@ -5604,29 +5602,37 @@
           <a:p>
             <a:pPr algn="ctr"/>
             <a:r>
-              <a:rPr lang="en-US" dirty="0">
+              <a:rPr lang="en-US" sz="1200" dirty="0" err="1">
                 <a:solidFill>
                   <a:srgbClr val="7030A0"/>
                 </a:solidFill>
               </a:rPr>
-              <a:t>:AddressBook</a:t>
-            </a:r>
+              <a:t>handleAddressBook</a:t>
+            </a:r>
+            <a:endParaRPr lang="en-US" sz="1200" dirty="0">
+              <a:solidFill>
+                <a:srgbClr val="7030A0"/>
+              </a:solidFill>
+            </a:endParaRPr>
           </a:p>
           <a:p>
             <a:pPr algn="ctr"/>
             <a:r>
-              <a:rPr lang="en-US" dirty="0" err="1">
+              <a:rPr lang="en-US" sz="1200" dirty="0" err="1">
                 <a:solidFill>
                   <a:srgbClr val="7030A0"/>
                 </a:solidFill>
               </a:rPr>
               <a:t>ChangedEvent</a:t>
             </a:r>
-            <a:endParaRPr lang="en-US" dirty="0">
-              <a:solidFill>
-                <a:srgbClr val="7030A0"/>
-              </a:solidFill>
-            </a:endParaRPr>
+            <a:r>
+              <a:rPr lang="en-US" sz="1200" dirty="0">
+                <a:solidFill>
+                  <a:srgbClr val="7030A0"/>
+                </a:solidFill>
+              </a:rPr>
+              <a:t>()</a:t>
+            </a:r>
           </a:p>
         </p:txBody>
       </p:sp>
@@ -5644,7 +5650,7 @@
         </p:nvSpPr>
         <p:spPr>
           <a:xfrm>
-            <a:off x="8460655" y="3430924"/>
+            <a:off x="8460655" y="1865930"/>
             <a:ext cx="1647534" cy="491246"/>
           </a:xfrm>
           <a:prstGeom prst="rect">
@@ -5722,13 +5728,14 @@
           </p:cNvPr>
           <p:cNvCxnSpPr>
             <a:cxnSpLocks/>
+            <a:endCxn id="52" idx="2"/>
           </p:cNvCxnSpPr>
           <p:nvPr/>
         </p:nvCxnSpPr>
         <p:spPr>
           <a:xfrm>
             <a:off x="7350560" y="3826488"/>
-            <a:ext cx="1068977" cy="0"/>
+            <a:ext cx="1923488" cy="12130"/>
           </a:xfrm>
           <a:prstGeom prst="straightConnector1">
             <a:avLst/>
@@ -5773,7 +5780,7 @@
         </p:nvSpPr>
         <p:spPr>
           <a:xfrm>
-            <a:off x="10353185" y="3426875"/>
+            <a:off x="10197161" y="3195854"/>
             <a:ext cx="1351135" cy="491245"/>
           </a:xfrm>
           <a:prstGeom prst="rect">
@@ -5856,8 +5863,8 @@
         </p:nvCxnSpPr>
         <p:spPr>
           <a:xfrm flipH="1">
-            <a:off x="10108189" y="3543008"/>
-            <a:ext cx="244996" cy="0"/>
+            <a:off x="9342769" y="3671321"/>
+            <a:ext cx="854392" cy="15778"/>
           </a:xfrm>
           <a:prstGeom prst="straightConnector1">
             <a:avLst/>
@@ -5899,13 +5906,14 @@
           </p:cNvPr>
           <p:cNvCxnSpPr>
             <a:cxnSpLocks/>
+            <a:stCxn id="52" idx="2"/>
           </p:cNvCxnSpPr>
           <p:nvPr/>
         </p:nvCxnSpPr>
         <p:spPr>
-          <a:xfrm>
-            <a:off x="10108189" y="3826488"/>
-            <a:ext cx="277425" cy="0"/>
+          <a:xfrm flipV="1">
+            <a:off x="9274048" y="3799634"/>
+            <a:ext cx="1449371" cy="38984"/>
           </a:xfrm>
           <a:prstGeom prst="straightConnector1">
             <a:avLst/>
@@ -5936,6 +5944,302 @@
           </a:fontRef>
         </p:style>
       </p:cxnSp>
+      <p:cxnSp>
+        <p:nvCxnSpPr>
+          <p:cNvPr id="51" name="Straight Connector 70">
+            <a:extLst>
+              <a:ext uri="{FF2B5EF4-FFF2-40B4-BE49-F238E27FC236}">
+                <a16:creationId xmlns:a16="http://schemas.microsoft.com/office/drawing/2014/main" id="{C17539BA-C4FB-47ED-9BBA-D78D2DC63ADC}"/>
+              </a:ext>
+            </a:extLst>
+          </p:cNvPr>
+          <p:cNvCxnSpPr>
+            <a:cxnSpLocks/>
+          </p:cNvCxnSpPr>
+          <p:nvPr/>
+        </p:nvCxnSpPr>
+        <p:spPr>
+          <a:xfrm flipH="1">
+            <a:off x="9281528" y="2379169"/>
+            <a:ext cx="2894" cy="1850968"/>
+          </a:xfrm>
+          <a:prstGeom prst="line">
+            <a:avLst/>
+          </a:prstGeom>
+          <a:ln w="19050" cap="flat" cmpd="sng" algn="ctr">
+            <a:solidFill>
+              <a:schemeClr val="accent6"/>
+            </a:solidFill>
+            <a:prstDash val="dash"/>
+            <a:round/>
+            <a:headEnd type="none" w="med" len="med"/>
+            <a:tailEnd type="none" w="med" len="med"/>
+          </a:ln>
+        </p:spPr>
+        <p:style>
+          <a:lnRef idx="0">
+            <a:scrgbClr r="0" g="0" b="0"/>
+          </a:lnRef>
+          <a:fillRef idx="0">
+            <a:scrgbClr r="0" g="0" b="0"/>
+          </a:fillRef>
+          <a:effectRef idx="0">
+            <a:scrgbClr r="0" g="0" b="0"/>
+          </a:effectRef>
+          <a:fontRef idx="minor">
+            <a:schemeClr val="tx1"/>
+          </a:fontRef>
+        </p:style>
+      </p:cxnSp>
+      <p:sp>
+        <p:nvSpPr>
+          <p:cNvPr id="52" name="Rectangle 72">
+            <a:extLst>
+              <a:ext uri="{FF2B5EF4-FFF2-40B4-BE49-F238E27FC236}">
+                <a16:creationId xmlns:a16="http://schemas.microsoft.com/office/drawing/2014/main" id="{BBD4C0EC-992D-4467-88A8-0C78D875AEBB}"/>
+              </a:ext>
+            </a:extLst>
+          </p:cNvPr>
+          <p:cNvSpPr/>
+          <p:nvPr/>
+        </p:nvSpPr>
+        <p:spPr>
+          <a:xfrm>
+            <a:off x="9205327" y="3537604"/>
+            <a:ext cx="137441" cy="301014"/>
+          </a:xfrm>
+          <a:prstGeom prst="rect">
+            <a:avLst/>
+          </a:prstGeom>
+          <a:ln>
+            <a:noFill/>
+          </a:ln>
+        </p:spPr>
+        <p:style>
+          <a:lnRef idx="2">
+            <a:schemeClr val="accent6">
+              <a:shade val="50000"/>
+            </a:schemeClr>
+          </a:lnRef>
+          <a:fillRef idx="1">
+            <a:schemeClr val="accent6"/>
+          </a:fillRef>
+          <a:effectRef idx="0">
+            <a:schemeClr val="accent6"/>
+          </a:effectRef>
+          <a:fontRef idx="minor">
+            <a:schemeClr val="lt1"/>
+          </a:fontRef>
+        </p:style>
+        <p:txBody>
+          <a:bodyPr rtlCol="0" anchor="ctr"/>
+          <a:lstStyle/>
+          <a:p>
+            <a:pPr algn="ctr"/>
+            <a:endParaRPr lang="en-SG" sz="1400">
+              <a:solidFill>
+                <a:schemeClr val="dk1"/>
+              </a:solidFill>
+            </a:endParaRPr>
+          </a:p>
+        </p:txBody>
+      </p:sp>
+      <p:sp>
+        <p:nvSpPr>
+          <p:cNvPr id="55" name="Rectangle 72">
+            <a:extLst>
+              <a:ext uri="{FF2B5EF4-FFF2-40B4-BE49-F238E27FC236}">
+                <a16:creationId xmlns:a16="http://schemas.microsoft.com/office/drawing/2014/main" id="{6149821A-40CF-4E67-A257-A0E9382C60AC}"/>
+              </a:ext>
+            </a:extLst>
+          </p:cNvPr>
+          <p:cNvSpPr/>
+          <p:nvPr/>
+        </p:nvSpPr>
+        <p:spPr>
+          <a:xfrm>
+            <a:off x="10723419" y="3675058"/>
+            <a:ext cx="298620" cy="124576"/>
+          </a:xfrm>
+          <a:prstGeom prst="rect">
+            <a:avLst/>
+          </a:prstGeom>
+          <a:ln>
+            <a:noFill/>
+          </a:ln>
+        </p:spPr>
+        <p:style>
+          <a:lnRef idx="2">
+            <a:schemeClr val="accent6">
+              <a:shade val="50000"/>
+            </a:schemeClr>
+          </a:lnRef>
+          <a:fillRef idx="1">
+            <a:schemeClr val="accent6"/>
+          </a:fillRef>
+          <a:effectRef idx="0">
+            <a:schemeClr val="accent6"/>
+          </a:effectRef>
+          <a:fontRef idx="minor">
+            <a:schemeClr val="lt1"/>
+          </a:fontRef>
+        </p:style>
+        <p:txBody>
+          <a:bodyPr rtlCol="0" anchor="ctr"/>
+          <a:lstStyle/>
+          <a:p>
+            <a:pPr algn="ctr"/>
+            <a:endParaRPr lang="en-SG" sz="1400">
+              <a:solidFill>
+                <a:schemeClr val="dk1"/>
+              </a:solidFill>
+            </a:endParaRPr>
+          </a:p>
+        </p:txBody>
+      </p:sp>
+      <p:sp>
+        <p:nvSpPr>
+          <p:cNvPr id="63" name="TextBox 77">
+            <a:extLst>
+              <a:ext uri="{FF2B5EF4-FFF2-40B4-BE49-F238E27FC236}">
+                <a16:creationId xmlns:a16="http://schemas.microsoft.com/office/drawing/2014/main" id="{667BB572-BF12-4342-BD93-474F33E3723C}"/>
+              </a:ext>
+            </a:extLst>
+          </p:cNvPr>
+          <p:cNvSpPr txBox="1"/>
+          <p:nvPr/>
+        </p:nvSpPr>
+        <p:spPr>
+          <a:xfrm>
+            <a:off x="9230357" y="3235131"/>
+            <a:ext cx="1028225" cy="369332"/>
+          </a:xfrm>
+          <a:prstGeom prst="rect">
+            <a:avLst/>
+          </a:prstGeom>
+          <a:noFill/>
+        </p:spPr>
+        <p:txBody>
+          <a:bodyPr wrap="square" lIns="0" tIns="0" rIns="0" bIns="0" rtlCol="0">
+            <a:spAutoFit/>
+          </a:bodyPr>
+          <a:lstStyle>
+            <a:defPPr>
+              <a:defRPr lang="en-US"/>
+            </a:defPPr>
+            <a:lvl1pPr algn="r">
+              <a:defRPr sz="1400">
+                <a:solidFill>
+                  <a:srgbClr val="0070C0"/>
+                </a:solidFill>
+              </a:defRPr>
+            </a:lvl1pPr>
+          </a:lstStyle>
+          <a:p>
+            <a:pPr algn="ctr"/>
+            <a:r>
+              <a:rPr lang="en-US" sz="1200" dirty="0" err="1">
+                <a:solidFill>
+                  <a:srgbClr val="00B050"/>
+                </a:solidFill>
+              </a:rPr>
+              <a:t>X</a:t>
+            </a:r>
+            <a:r>
+              <a:rPr lang="en-US" altLang="zh-CN" sz="1200" dirty="0" err="1">
+                <a:solidFill>
+                  <a:srgbClr val="00B050"/>
+                </a:solidFill>
+              </a:rPr>
+              <a:t>mlAdapted</a:t>
+            </a:r>
+            <a:endParaRPr lang="en-US" altLang="zh-CN" sz="1200" dirty="0">
+              <a:solidFill>
+                <a:srgbClr val="00B050"/>
+              </a:solidFill>
+            </a:endParaRPr>
+          </a:p>
+          <a:p>
+            <a:pPr algn="ctr"/>
+            <a:r>
+              <a:rPr lang="en-US" altLang="zh-CN" sz="1200" dirty="0" err="1">
+                <a:solidFill>
+                  <a:srgbClr val="00B050"/>
+                </a:solidFill>
+              </a:rPr>
+              <a:t>PropertyInfo</a:t>
+            </a:r>
+            <a:r>
+              <a:rPr lang="en-US" altLang="zh-CN" sz="1200" dirty="0">
+                <a:solidFill>
+                  <a:srgbClr val="00B050"/>
+                </a:solidFill>
+              </a:rPr>
+              <a:t>()</a:t>
+            </a:r>
+            <a:endParaRPr lang="en-US" sz="1200" dirty="0">
+              <a:solidFill>
+                <a:srgbClr val="00B050"/>
+              </a:solidFill>
+            </a:endParaRPr>
+          </a:p>
+        </p:txBody>
+      </p:sp>
+      <p:sp>
+        <p:nvSpPr>
+          <p:cNvPr id="64" name="TextBox 28">
+            <a:extLst>
+              <a:ext uri="{FF2B5EF4-FFF2-40B4-BE49-F238E27FC236}">
+                <a16:creationId xmlns:a16="http://schemas.microsoft.com/office/drawing/2014/main" id="{6A03557D-6E54-4986-A337-0C164CB2CEBB}"/>
+              </a:ext>
+            </a:extLst>
+          </p:cNvPr>
+          <p:cNvSpPr txBox="1"/>
+          <p:nvPr/>
+        </p:nvSpPr>
+        <p:spPr>
+          <a:xfrm>
+            <a:off x="2482034" y="2581752"/>
+            <a:ext cx="928409" cy="338554"/>
+          </a:xfrm>
+          <a:prstGeom prst="rect">
+            <a:avLst/>
+          </a:prstGeom>
+          <a:noFill/>
+        </p:spPr>
+        <p:txBody>
+          <a:bodyPr wrap="square" lIns="0" tIns="0" rIns="0" bIns="0" rtlCol="0">
+            <a:spAutoFit/>
+          </a:bodyPr>
+          <a:lstStyle>
+            <a:defPPr>
+              <a:defRPr lang="en-US"/>
+            </a:defPPr>
+            <a:lvl1pPr algn="r">
+              <a:defRPr sz="1400">
+                <a:solidFill>
+                  <a:srgbClr val="0070C0"/>
+                </a:solidFill>
+              </a:defRPr>
+            </a:lvl1pPr>
+          </a:lstStyle>
+          <a:p>
+            <a:pPr algn="ctr"/>
+            <a:r>
+              <a:rPr lang="en-US" sz="1100" dirty="0" err="1"/>
+              <a:t>AddProperty</a:t>
+            </a:r>
+            <a:endParaRPr lang="en-US" sz="1100" dirty="0"/>
+          </a:p>
+          <a:p>
+            <a:pPr algn="ctr"/>
+            <a:r>
+              <a:rPr lang="en-US" sz="1100" dirty="0"/>
+              <a:t>Command()</a:t>
+            </a:r>
+          </a:p>
+        </p:txBody>
+      </p:sp>
     </p:spTree>
     <p:extLst>
       <p:ext uri="{BB962C8B-B14F-4D97-AF65-F5344CB8AC3E}">
